--- a/Credit card fraud detection.pptx
+++ b/Credit card fraud detection.pptx
@@ -257,7 +257,7 @@
           <a:p>
             <a:fld id="{F352A77B-D33C-49B3-A83C-450AA2ED72B3}" type="datetimeFigureOut">
               <a:rPr lang="en-US" smtClean="0"/>
-              <a:t>11/12/2023</a:t>
+              <a:t>11/14/2023</a:t>
             </a:fld>
             <a:endParaRPr lang="en-US" dirty="0"/>
           </a:p>
@@ -434,7 +434,7 @@
           <a:p>
             <a:fld id="{E38D8F9A-F5CB-4EF8-A859-ED5E107B9763}" type="datetimeFigureOut">
               <a:rPr lang="en-US" smtClean="0"/>
-              <a:t>11/12/2023</a:t>
+              <a:t>11/14/2023</a:t>
             </a:fld>
             <a:endParaRPr lang="en-US" dirty="0"/>
           </a:p>
@@ -16204,8 +16204,8 @@
           </a:p>
         </p:txBody>
       </p:sp>
-      <mc:AlternateContent xmlns:mc="http://schemas.openxmlformats.org/markup-compatibility/2006">
-        <mc:Choice xmlns:a14="http://schemas.microsoft.com/office/drawing/2010/main" Requires="a14">
+      <mc:AlternateContent xmlns:mc="http://schemas.openxmlformats.org/markup-compatibility/2006" xmlns:a14="http://schemas.microsoft.com/office/drawing/2010/main">
+        <mc:Choice Requires="a14">
           <p:sp>
             <p:nvSpPr>
               <p:cNvPr id="32" name="TextBox 31">
@@ -16253,6 +16253,7 @@
                 <a:endParaRPr lang="en-US" dirty="0"/>
               </a:p>
               <a:p>
+                <a:pPr/>
                 <a14:m>
                   <m:oMathPara xmlns:m="http://schemas.openxmlformats.org/officeDocument/2006/math">
                     <m:oMathParaPr>
@@ -16714,7 +16715,7 @@
             </p:txBody>
           </p:sp>
         </mc:Choice>
-        <mc:Fallback>
+        <mc:Fallback xmlns="">
           <p:sp>
             <p:nvSpPr>
               <p:cNvPr id="32" name="TextBox 31">
@@ -19530,7 +19531,7 @@
             </a:pPr>
             <a:r>
               <a:rPr lang="en-US" noProof="1"/>
-              <a:t>Compare Acuuracy and confusion matrix to choose the best model</a:t>
+              <a:t>Compare Accuracy and confusion matrix to choose the best model</a:t>
             </a:r>
           </a:p>
         </p:txBody>
@@ -22066,6 +22067,15 @@
 </file>
 
 <file path=customXml/item1.xml><?xml version="1.0" encoding="utf-8"?>
+<?mso-contentType ?>
+<FormTemplates xmlns="http://schemas.microsoft.com/sharepoint/v3/contenttype/forms">
+  <Display>DocumentLibraryForm</Display>
+  <Edit>DocumentLibraryForm</Edit>
+  <New>DocumentLibraryForm</New>
+</FormTemplates>
+</file>
+
+<file path=customXml/item2.xml><?xml version="1.0" encoding="utf-8"?>
 <p:properties xmlns:p="http://schemas.microsoft.com/office/2006/metadata/properties" xmlns:xsi="http://www.w3.org/2001/XMLSchema-instance" xmlns:pc="http://schemas.microsoft.com/office/infopath/2007/PartnerControls">
   <documentManagement>
     <_ip_UnifiedCompliancePolicyUIAction xmlns="http://schemas.microsoft.com/sharepoint/v3" xsi:nil="true"/>
@@ -22083,15 +22093,6 @@
     <MediaServiceKeyPoints xmlns="71af3243-3dd4-4a8d-8c0d-dd76da1f02a5" xsi:nil="true"/>
   </documentManagement>
 </p:properties>
-</file>
-
-<file path=customXml/item2.xml><?xml version="1.0" encoding="utf-8"?>
-<?mso-contentType ?>
-<FormTemplates xmlns="http://schemas.microsoft.com/sharepoint/v3/contenttype/forms">
-  <Display>DocumentLibraryForm</Display>
-  <Edit>DocumentLibraryForm</Edit>
-  <New>DocumentLibraryForm</New>
-</FormTemplates>
 </file>
 
 <file path=customXml/item3.xml><?xml version="1.0" encoding="utf-8"?>
@@ -22401,6 +22402,14 @@
 </file>
 
 <file path=customXml/itemProps1.xml><?xml version="1.0" encoding="utf-8"?>
+<ds:datastoreItem xmlns:ds="http://schemas.openxmlformats.org/officeDocument/2006/customXml" ds:itemID="{79BF405E-7930-4D5C-ABB3-493E9D6D6CEA}">
+  <ds:schemaRefs>
+    <ds:schemaRef ds:uri="http://schemas.microsoft.com/sharepoint/v3/contenttype/forms"/>
+  </ds:schemaRefs>
+</ds:datastoreItem>
+</file>
+
+<file path=customXml/itemProps2.xml><?xml version="1.0" encoding="utf-8"?>
 <ds:datastoreItem xmlns:ds="http://schemas.openxmlformats.org/officeDocument/2006/customXml" ds:itemID="{6EA97235-BEC4-4F82-87A8-2F5DAD53B5F9}">
   <ds:schemaRefs>
     <ds:schemaRef ds:uri="http://schemas.microsoft.com/office/2006/metadata/properties"/>
@@ -22408,14 +22417,6 @@
     <ds:schemaRef ds:uri="http://schemas.microsoft.com/sharepoint/v3"/>
     <ds:schemaRef ds:uri="71af3243-3dd4-4a8d-8c0d-dd76da1f02a5"/>
     <ds:schemaRef ds:uri="230e9df3-be65-4c73-a93b-d1236ebd677e"/>
-  </ds:schemaRefs>
-</ds:datastoreItem>
-</file>
-
-<file path=customXml/itemProps2.xml><?xml version="1.0" encoding="utf-8"?>
-<ds:datastoreItem xmlns:ds="http://schemas.openxmlformats.org/officeDocument/2006/customXml" ds:itemID="{79BF405E-7930-4D5C-ABB3-493E9D6D6CEA}">
-  <ds:schemaRefs>
-    <ds:schemaRef ds:uri="http://schemas.microsoft.com/sharepoint/v3/contenttype/forms"/>
   </ds:schemaRefs>
 </ds:datastoreItem>
 </file>
